--- a/blob/main/doc/YTDownloaderPresentazione.pptx
+++ b/blob/main/doc/YTDownloaderPresentazione.pptx
@@ -28897,86 +28897,6 @@
           <p:cNvPr id="279" name="Google Shape;279;p28"/>
           <p:cNvSpPr txBox="1"/>
           <p:nvPr>
-            <p:ph idx="4" type="body"/>
-          </p:nvPr>
-        </p:nvSpPr>
-        <p:spPr>
-          <a:xfrm>
-            <a:off x="6464150" y="2739050"/>
-            <a:ext cx="4961100" cy="3342000"/>
-          </a:xfrm>
-          <a:prstGeom prst="rect">
-            <a:avLst/>
-          </a:prstGeom>
-        </p:spPr>
-        <p:txBody>
-          <a:bodyPr anchorCtr="0" anchor="t" bIns="121900" lIns="121900" spcFirstLastPara="1" rIns="121900" wrap="square" tIns="121900">
-            <a:noAutofit/>
-          </a:bodyPr>
-          <a:lstStyle/>
-          <a:p>
-            <a:pPr indent="0" lvl="0" marL="0" rtl="0" algn="l">
-              <a:spcBef>
-                <a:spcPts val="0"/>
-              </a:spcBef>
-              <a:spcAft>
-                <a:spcPts val="2100"/>
-              </a:spcAft>
-              <a:buNone/>
-            </a:pPr>
-            <a:r>
-              <a:rPr lang="en" sz="1800"/>
-              <a:t>REST is an architectural style for web communication, facilitating interaction between systems. These systems are stateless, using standard HTTP methods for data transactions. Known for its simplicity and scalability, REST is often used in cloud services and social networking sites. A web service following REST principles is termed RESTful.</a:t>
-            </a:r>
-            <a:endParaRPr sz="1800"/>
-          </a:p>
-        </p:txBody>
-      </p:sp>
-      <p:sp>
-        <p:nvSpPr>
-          <p:cNvPr id="280" name="Google Shape;280;p28"/>
-          <p:cNvSpPr txBox="1"/>
-          <p:nvPr>
-            <p:ph idx="3" type="body"/>
-          </p:nvPr>
-        </p:nvSpPr>
-        <p:spPr>
-          <a:xfrm>
-            <a:off x="873350" y="2750800"/>
-            <a:ext cx="4960800" cy="3118500"/>
-          </a:xfrm>
-          <a:prstGeom prst="rect">
-            <a:avLst/>
-          </a:prstGeom>
-        </p:spPr>
-        <p:txBody>
-          <a:bodyPr anchorCtr="0" anchor="t" bIns="121900" lIns="121900" spcFirstLastPara="1" rIns="121900" wrap="square" tIns="121900">
-            <a:noAutofit/>
-          </a:bodyPr>
-          <a:lstStyle/>
-          <a:p>
-            <a:pPr indent="0" lvl="0" marL="0" rtl="0" algn="l">
-              <a:spcBef>
-                <a:spcPts val="0"/>
-              </a:spcBef>
-              <a:spcAft>
-                <a:spcPts val="2100"/>
-              </a:spcAft>
-              <a:buNone/>
-            </a:pPr>
-            <a:r>
-              <a:rPr lang="en" sz="1800"/>
-              <a:t>SOAP is a messaging protocol that allows programs running on disparate operating systems to communicate with each other. It uses XML for message format and relies on application layer protocols, most often Hypertext Transfer Protocol (HTTP) or Simple Mail Transfer Protocol (SMTP), for message negotiation and transmission.</a:t>
-            </a:r>
-            <a:endParaRPr sz="1800"/>
-          </a:p>
-        </p:txBody>
-      </p:sp>
-      <p:sp>
-        <p:nvSpPr>
-          <p:cNvPr id="281" name="Google Shape;281;p28"/>
-          <p:cNvSpPr txBox="1"/>
-          <p:nvPr>
             <p:ph idx="1" type="subTitle"/>
           </p:nvPr>
         </p:nvSpPr>
@@ -29022,7 +28942,7 @@
       </p:sp>
       <p:sp>
         <p:nvSpPr>
-          <p:cNvPr id="282" name="Google Shape;282;p28"/>
+          <p:cNvPr id="280" name="Google Shape;280;p28"/>
           <p:cNvSpPr txBox="1"/>
           <p:nvPr>
             <p:ph idx="2" type="subTitle"/>
@@ -29070,7 +28990,7 @@
       </p:sp>
       <p:sp>
         <p:nvSpPr>
-          <p:cNvPr id="283" name="Google Shape;283;p28"/>
+          <p:cNvPr id="281" name="Google Shape;281;p28"/>
           <p:cNvSpPr txBox="1"/>
           <p:nvPr/>
         </p:nvSpPr>
@@ -29128,7 +29048,7 @@
       </p:sp>
       <p:sp>
         <p:nvSpPr>
-          <p:cNvPr id="284" name="Google Shape;284;p28"/>
+          <p:cNvPr id="282" name="Google Shape;282;p28"/>
           <p:cNvSpPr/>
           <p:nvPr/>
         </p:nvSpPr>
@@ -29174,6 +29094,61 @@
           </a:p>
         </p:txBody>
       </p:sp>
+      <p:pic>
+        <p:nvPicPr>
+          <p:cNvPr id="283" name="Google Shape;283;p28"/>
+          <p:cNvPicPr preferRelativeResize="0"/>
+          <p:nvPr/>
+        </p:nvPicPr>
+        <p:blipFill>
+          <a:blip r:embed="rId4">
+            <a:alphaModFix/>
+          </a:blip>
+          <a:stretch>
+            <a:fillRect/>
+          </a:stretch>
+        </p:blipFill>
+        <p:spPr>
+          <a:xfrm>
+            <a:off x="896875" y="2870550"/>
+            <a:ext cx="5105400" cy="2657475"/>
+          </a:xfrm>
+          <a:prstGeom prst="rect">
+            <a:avLst/>
+          </a:prstGeom>
+          <a:noFill/>
+          <a:ln>
+            <a:noFill/>
+          </a:ln>
+        </p:spPr>
+      </p:pic>
+      <p:pic>
+        <p:nvPicPr>
+          <p:cNvPr id="284" name="Google Shape;284;p28"/>
+          <p:cNvPicPr preferRelativeResize="0"/>
+          <p:nvPr/>
+        </p:nvPicPr>
+        <p:blipFill rotWithShape="1">
+          <a:blip r:embed="rId5">
+            <a:alphaModFix/>
+          </a:blip>
+          <a:srcRect b="0" l="0" r="0" t="17729"/>
+          <a:stretch/>
+        </p:blipFill>
+        <p:spPr>
+          <a:xfrm>
+            <a:off x="6319550" y="2728838"/>
+            <a:ext cx="5105401" cy="2940900"/>
+          </a:xfrm>
+          <a:prstGeom prst="rect">
+            <a:avLst/>
+          </a:prstGeom>
+          <a:noFill/>
+          <a:ln>
+            <a:noFill/>
+          </a:ln>
+        </p:spPr>
+      </p:pic>
     </p:spTree>
   </p:cSld>
   <p:clrMapOvr>
@@ -31615,6 +31590,285 @@
 </file>
 
 <file path=ppt/theme/theme1.xml><?xml version="1.0" encoding="utf-8"?>
+<a:theme xmlns:a="http://schemas.openxmlformats.org/drawingml/2006/main" xmlns:r="http://schemas.openxmlformats.org/officeDocument/2006/relationships">
+  <a:themeElements>
+    <a:clrScheme name="Default">
+      <a:dk1>
+        <a:srgbClr val="000000"/>
+      </a:dk1>
+      <a:lt1>
+        <a:srgbClr val="FFFFFF"/>
+      </a:lt1>
+      <a:dk2>
+        <a:srgbClr val="158158"/>
+      </a:dk2>
+      <a:lt2>
+        <a:srgbClr val="F3F3F3"/>
+      </a:lt2>
+      <a:accent1>
+        <a:srgbClr val="058DC7"/>
+      </a:accent1>
+      <a:accent2>
+        <a:srgbClr val="50B432"/>
+      </a:accent2>
+      <a:accent3>
+        <a:srgbClr val="ED561B"/>
+      </a:accent3>
+      <a:accent4>
+        <a:srgbClr val="EDEF00"/>
+      </a:accent4>
+      <a:accent5>
+        <a:srgbClr val="24CBE5"/>
+      </a:accent5>
+      <a:accent6>
+        <a:srgbClr val="64E572"/>
+      </a:accent6>
+      <a:hlink>
+        <a:srgbClr val="2200CC"/>
+      </a:hlink>
+      <a:folHlink>
+        <a:srgbClr val="551A8B"/>
+      </a:folHlink>
+    </a:clrScheme>
+    <a:fontScheme name="Office">
+      <a:majorFont>
+        <a:latin typeface="Arial"/>
+        <a:ea typeface=""/>
+        <a:cs typeface=""/>
+        <a:font script="Jpan" typeface="ＭＳ Ｐゴシック"/>
+        <a:font script="Hang" typeface="맑은 고딕"/>
+        <a:font script="Hans" typeface="宋体"/>
+        <a:font script="Hant" typeface="新細明體"/>
+        <a:font script="Arab" typeface="Times New Roman"/>
+        <a:font script="Hebr" typeface="Times New Roman"/>
+        <a:font script="Thai" typeface="Angsana New"/>
+        <a:font script="Ethi" typeface="Nyala"/>
+        <a:font script="Beng" typeface="Vrinda"/>
+        <a:font script="Gujr" typeface="Shruti"/>
+        <a:font script="Khmr" typeface="MoolBoran"/>
+        <a:font script="Knda" typeface="Tunga"/>
+        <a:font script="Guru" typeface="Raavi"/>
+        <a:font script="Cans" typeface="Euphemia"/>
+        <a:font script="Cher" typeface="Plantagenet Cherokee"/>
+        <a:font script="Yiii" typeface="Microsoft Yi Baiti"/>
+        <a:font script="Tibt" typeface="Microsoft Himalaya"/>
+        <a:font script="Thaa" typeface="MV Boli"/>
+        <a:font script="Deva" typeface="Mangal"/>
+        <a:font script="Telu" typeface="Gautami"/>
+        <a:font script="Taml" typeface="Latha"/>
+        <a:font script="Syrc" typeface="Estrangelo Edessa"/>
+        <a:font script="Orya" typeface="Kalinga"/>
+        <a:font script="Mlym" typeface="Kartika"/>
+        <a:font script="Laoo" typeface="DokChampa"/>
+        <a:font script="Sinh" typeface="Iskoola Pota"/>
+        <a:font script="Mong" typeface="Mongolian Baiti"/>
+        <a:font script="Viet" typeface="Times New Roman"/>
+        <a:font script="Uigh" typeface="Microsoft Uighur"/>
+        <a:font script="Geor" typeface="Sylfaen"/>
+      </a:majorFont>
+      <a:minorFont>
+        <a:latin typeface="Arial"/>
+        <a:ea typeface=""/>
+        <a:cs typeface=""/>
+        <a:font script="Jpan" typeface="ＭＳ Ｐゴシック"/>
+        <a:font script="Hang" typeface="맑은 고딕"/>
+        <a:font script="Hans" typeface="宋体"/>
+        <a:font script="Hant" typeface="新細明體"/>
+        <a:font script="Arab" typeface="Arial"/>
+        <a:font script="Hebr" typeface="Arial"/>
+        <a:font script="Thai" typeface="Cordia New"/>
+        <a:font script="Ethi" typeface="Nyala"/>
+        <a:font script="Beng" typeface="Vrinda"/>
+        <a:font script="Gujr" typeface="Shruti"/>
+        <a:font script="Khmr" typeface="DaunPenh"/>
+        <a:font script="Knda" typeface="Tunga"/>
+        <a:font script="Guru" typeface="Raavi"/>
+        <a:font script="Cans" typeface="Euphemia"/>
+        <a:font script="Cher" typeface="Plantagenet Cherokee"/>
+        <a:font script="Yiii" typeface="Microsoft Yi Baiti"/>
+        <a:font script="Tibt" typeface="Microsoft Himalaya"/>
+        <a:font script="Thaa" typeface="MV Boli"/>
+        <a:font script="Deva" typeface="Mangal"/>
+        <a:font script="Telu" typeface="Gautami"/>
+        <a:font script="Taml" typeface="Latha"/>
+        <a:font script="Syrc" typeface="Estrangelo Edessa"/>
+        <a:font script="Orya" typeface="Kalinga"/>
+        <a:font script="Mlym" typeface="Kartika"/>
+        <a:font script="Laoo" typeface="DokChampa"/>
+        <a:font script="Sinh" typeface="Iskoola Pota"/>
+        <a:font script="Mong" typeface="Mongolian Baiti"/>
+        <a:font script="Viet" typeface="Arial"/>
+        <a:font script="Uigh" typeface="Microsoft Uighur"/>
+        <a:font script="Geor" typeface="Sylfaen"/>
+      </a:minorFont>
+    </a:fontScheme>
+    <a:fmtScheme name="Office">
+      <a:fillStyleLst>
+        <a:solidFill>
+          <a:schemeClr val="phClr"/>
+        </a:solidFill>
+        <a:gradFill rotWithShape="1">
+          <a:gsLst>
+            <a:gs pos="0">
+              <a:schemeClr val="phClr">
+                <a:tint val="50000"/>
+                <a:satMod val="300000"/>
+              </a:schemeClr>
+            </a:gs>
+            <a:gs pos="35000">
+              <a:schemeClr val="phClr">
+                <a:tint val="37000"/>
+                <a:satMod val="300000"/>
+              </a:schemeClr>
+            </a:gs>
+            <a:gs pos="100000">
+              <a:schemeClr val="phClr">
+                <a:tint val="15000"/>
+                <a:satMod val="350000"/>
+              </a:schemeClr>
+            </a:gs>
+          </a:gsLst>
+          <a:lin ang="16200000" scaled="1"/>
+        </a:gradFill>
+        <a:gradFill rotWithShape="1">
+          <a:gsLst>
+            <a:gs pos="0">
+              <a:schemeClr val="phClr">
+                <a:tint val="100000"/>
+                <a:shade val="100000"/>
+                <a:satMod val="130000"/>
+              </a:schemeClr>
+            </a:gs>
+            <a:gs pos="100000">
+              <a:schemeClr val="phClr">
+                <a:tint val="50000"/>
+                <a:shade val="100000"/>
+                <a:satMod val="350000"/>
+              </a:schemeClr>
+            </a:gs>
+          </a:gsLst>
+          <a:lin ang="16200000" scaled="0"/>
+        </a:gradFill>
+      </a:fillStyleLst>
+      <a:lnStyleLst>
+        <a:ln w="9525" cap="flat" cmpd="sng" algn="ctr">
+          <a:solidFill>
+            <a:schemeClr val="phClr">
+              <a:shade val="95000"/>
+              <a:satMod val="105000"/>
+            </a:schemeClr>
+          </a:solidFill>
+          <a:prstDash val="solid"/>
+        </a:ln>
+        <a:ln w="25400" cap="flat" cmpd="sng" algn="ctr">
+          <a:solidFill>
+            <a:schemeClr val="phClr"/>
+          </a:solidFill>
+          <a:prstDash val="solid"/>
+        </a:ln>
+        <a:ln w="38100" cap="flat" cmpd="sng" algn="ctr">
+          <a:solidFill>
+            <a:schemeClr val="phClr"/>
+          </a:solidFill>
+          <a:prstDash val="solid"/>
+        </a:ln>
+      </a:lnStyleLst>
+      <a:effectStyleLst>
+        <a:effectStyle>
+          <a:effectLst>
+            <a:outerShdw blurRad="40000" dist="20000" dir="5400000" rotWithShape="0">
+              <a:srgbClr val="000000">
+                <a:alpha val="38000"/>
+              </a:srgbClr>
+            </a:outerShdw>
+          </a:effectLst>
+        </a:effectStyle>
+        <a:effectStyle>
+          <a:effectLst>
+            <a:outerShdw blurRad="40000" dist="23000" dir="5400000" rotWithShape="0">
+              <a:srgbClr val="000000">
+                <a:alpha val="35000"/>
+              </a:srgbClr>
+            </a:outerShdw>
+          </a:effectLst>
+        </a:effectStyle>
+        <a:effectStyle>
+          <a:effectLst>
+            <a:outerShdw blurRad="40000" dist="23000" dir="5400000" rotWithShape="0">
+              <a:srgbClr val="000000">
+                <a:alpha val="35000"/>
+              </a:srgbClr>
+            </a:outerShdw>
+          </a:effectLst>
+          <a:scene3d>
+            <a:camera prst="orthographicFront">
+              <a:rot lat="0" lon="0" rev="0"/>
+            </a:camera>
+            <a:lightRig rig="threePt" dir="t">
+              <a:rot lat="0" lon="0" rev="1200000"/>
+            </a:lightRig>
+          </a:scene3d>
+          <a:sp3d>
+            <a:bevelT w="63500" h="25400"/>
+          </a:sp3d>
+        </a:effectStyle>
+      </a:effectStyleLst>
+      <a:bgFillStyleLst>
+        <a:solidFill>
+          <a:schemeClr val="phClr"/>
+        </a:solidFill>
+        <a:gradFill rotWithShape="1">
+          <a:gsLst>
+            <a:gs pos="0">
+              <a:schemeClr val="phClr">
+                <a:tint val="40000"/>
+                <a:satMod val="350000"/>
+              </a:schemeClr>
+            </a:gs>
+            <a:gs pos="40000">
+              <a:schemeClr val="phClr">
+                <a:tint val="45000"/>
+                <a:shade val="99000"/>
+                <a:satMod val="350000"/>
+              </a:schemeClr>
+            </a:gs>
+            <a:gs pos="100000">
+              <a:schemeClr val="phClr">
+                <a:shade val="20000"/>
+                <a:satMod val="255000"/>
+              </a:schemeClr>
+            </a:gs>
+          </a:gsLst>
+          <a:path path="circle">
+            <a:fillToRect l="50000" t="-80000" r="50000" b="180000"/>
+          </a:path>
+        </a:gradFill>
+        <a:gradFill rotWithShape="1">
+          <a:gsLst>
+            <a:gs pos="0">
+              <a:schemeClr val="phClr">
+                <a:tint val="80000"/>
+                <a:satMod val="300000"/>
+              </a:schemeClr>
+            </a:gs>
+            <a:gs pos="100000">
+              <a:schemeClr val="phClr">
+                <a:shade val="30000"/>
+                <a:satMod val="200000"/>
+              </a:schemeClr>
+            </a:gs>
+          </a:gsLst>
+          <a:path path="circle">
+            <a:fillToRect l="50000" t="50000" r="50000" b="50000"/>
+          </a:path>
+        </a:gradFill>
+      </a:bgFillStyleLst>
+    </a:fmtScheme>
+  </a:themeElements>
+</a:theme>
+</file>
+
+<file path=ppt/theme/theme2.xml><?xml version="1.0" encoding="utf-8"?>
 <a:theme xmlns:a="http://schemas.openxmlformats.org/drawingml/2006/main" xmlns:r="http://schemas.openxmlformats.org/officeDocument/2006/relationships" name="SlidesMania">
   <a:themeElements>
     <a:clrScheme name="Simple Light">
@@ -31891,283 +32145,4 @@
     </a:fmtScheme>
   </a:themeElements>
 </a:theme>
-</file>
-
-<file path=ppt/theme/theme2.xml><?xml version="1.0" encoding="utf-8"?>
-<a:theme xmlns:a="http://schemas.openxmlformats.org/drawingml/2006/main" xmlns:r="http://schemas.openxmlformats.org/officeDocument/2006/relationships">
-  <a:themeElements>
-    <a:clrScheme name="Default">
-      <a:dk1>
-        <a:srgbClr val="000000"/>
-      </a:dk1>
-      <a:lt1>
-        <a:srgbClr val="FFFFFF"/>
-      </a:lt1>
-      <a:dk2>
-        <a:srgbClr val="158158"/>
-      </a:dk2>
-      <a:lt2>
-        <a:srgbClr val="F3F3F3"/>
-      </a:lt2>
-      <a:accent1>
-        <a:srgbClr val="058DC7"/>
-      </a:accent1>
-      <a:accent2>
-        <a:srgbClr val="50B432"/>
-      </a:accent2>
-      <a:accent3>
-        <a:srgbClr val="ED561B"/>
-      </a:accent3>
-      <a:accent4>
-        <a:srgbClr val="EDEF00"/>
-      </a:accent4>
-      <a:accent5>
-        <a:srgbClr val="24CBE5"/>
-      </a:accent5>
-      <a:accent6>
-        <a:srgbClr val="64E572"/>
-      </a:accent6>
-      <a:hlink>
-        <a:srgbClr val="2200CC"/>
-      </a:hlink>
-      <a:folHlink>
-        <a:srgbClr val="551A8B"/>
-      </a:folHlink>
-    </a:clrScheme>
-    <a:fontScheme name="Office">
-      <a:majorFont>
-        <a:latin typeface="Arial"/>
-        <a:ea typeface=""/>
-        <a:cs typeface=""/>
-        <a:font script="Jpan" typeface="ＭＳ Ｐゴシック"/>
-        <a:font script="Hang" typeface="맑은 고딕"/>
-        <a:font script="Hans" typeface="宋体"/>
-        <a:font script="Hant" typeface="新細明體"/>
-        <a:font script="Arab" typeface="Times New Roman"/>
-        <a:font script="Hebr" typeface="Times New Roman"/>
-        <a:font script="Thai" typeface="Angsana New"/>
-        <a:font script="Ethi" typeface="Nyala"/>
-        <a:font script="Beng" typeface="Vrinda"/>
-        <a:font script="Gujr" typeface="Shruti"/>
-        <a:font script="Khmr" typeface="MoolBoran"/>
-        <a:font script="Knda" typeface="Tunga"/>
-        <a:font script="Guru" typeface="Raavi"/>
-        <a:font script="Cans" typeface="Euphemia"/>
-        <a:font script="Cher" typeface="Plantagenet Cherokee"/>
-        <a:font script="Yiii" typeface="Microsoft Yi Baiti"/>
-        <a:font script="Tibt" typeface="Microsoft Himalaya"/>
-        <a:font script="Thaa" typeface="MV Boli"/>
-        <a:font script="Deva" typeface="Mangal"/>
-        <a:font script="Telu" typeface="Gautami"/>
-        <a:font script="Taml" typeface="Latha"/>
-        <a:font script="Syrc" typeface="Estrangelo Edessa"/>
-        <a:font script="Orya" typeface="Kalinga"/>
-        <a:font script="Mlym" typeface="Kartika"/>
-        <a:font script="Laoo" typeface="DokChampa"/>
-        <a:font script="Sinh" typeface="Iskoola Pota"/>
-        <a:font script="Mong" typeface="Mongolian Baiti"/>
-        <a:font script="Viet" typeface="Times New Roman"/>
-        <a:font script="Uigh" typeface="Microsoft Uighur"/>
-        <a:font script="Geor" typeface="Sylfaen"/>
-      </a:majorFont>
-      <a:minorFont>
-        <a:latin typeface="Arial"/>
-        <a:ea typeface=""/>
-        <a:cs typeface=""/>
-        <a:font script="Jpan" typeface="ＭＳ Ｐゴシック"/>
-        <a:font script="Hang" typeface="맑은 고딕"/>
-        <a:font script="Hans" typeface="宋体"/>
-        <a:font script="Hant" typeface="新細明體"/>
-        <a:font script="Arab" typeface="Arial"/>
-        <a:font script="Hebr" typeface="Arial"/>
-        <a:font script="Thai" typeface="Cordia New"/>
-        <a:font script="Ethi" typeface="Nyala"/>
-        <a:font script="Beng" typeface="Vrinda"/>
-        <a:font script="Gujr" typeface="Shruti"/>
-        <a:font script="Khmr" typeface="DaunPenh"/>
-        <a:font script="Knda" typeface="Tunga"/>
-        <a:font script="Guru" typeface="Raavi"/>
-        <a:font script="Cans" typeface="Euphemia"/>
-        <a:font script="Cher" typeface="Plantagenet Cherokee"/>
-        <a:font script="Yiii" typeface="Microsoft Yi Baiti"/>
-        <a:font script="Tibt" typeface="Microsoft Himalaya"/>
-        <a:font script="Thaa" typeface="MV Boli"/>
-        <a:font script="Deva" typeface="Mangal"/>
-        <a:font script="Telu" typeface="Gautami"/>
-        <a:font script="Taml" typeface="Latha"/>
-        <a:font script="Syrc" typeface="Estrangelo Edessa"/>
-        <a:font script="Orya" typeface="Kalinga"/>
-        <a:font script="Mlym" typeface="Kartika"/>
-        <a:font script="Laoo" typeface="DokChampa"/>
-        <a:font script="Sinh" typeface="Iskoola Pota"/>
-        <a:font script="Mong" typeface="Mongolian Baiti"/>
-        <a:font script="Viet" typeface="Arial"/>
-        <a:font script="Uigh" typeface="Microsoft Uighur"/>
-        <a:font script="Geor" typeface="Sylfaen"/>
-      </a:minorFont>
-    </a:fontScheme>
-    <a:fmtScheme name="Office">
-      <a:fillStyleLst>
-        <a:solidFill>
-          <a:schemeClr val="phClr"/>
-        </a:solidFill>
-        <a:gradFill rotWithShape="1">
-          <a:gsLst>
-            <a:gs pos="0">
-              <a:schemeClr val="phClr">
-                <a:tint val="50000"/>
-                <a:satMod val="300000"/>
-              </a:schemeClr>
-            </a:gs>
-            <a:gs pos="35000">
-              <a:schemeClr val="phClr">
-                <a:tint val="37000"/>
-                <a:satMod val="300000"/>
-              </a:schemeClr>
-            </a:gs>
-            <a:gs pos="100000">
-              <a:schemeClr val="phClr">
-                <a:tint val="15000"/>
-                <a:satMod val="350000"/>
-              </a:schemeClr>
-            </a:gs>
-          </a:gsLst>
-          <a:lin ang="16200000" scaled="1"/>
-        </a:gradFill>
-        <a:gradFill rotWithShape="1">
-          <a:gsLst>
-            <a:gs pos="0">
-              <a:schemeClr val="phClr">
-                <a:tint val="100000"/>
-                <a:shade val="100000"/>
-                <a:satMod val="130000"/>
-              </a:schemeClr>
-            </a:gs>
-            <a:gs pos="100000">
-              <a:schemeClr val="phClr">
-                <a:tint val="50000"/>
-                <a:shade val="100000"/>
-                <a:satMod val="350000"/>
-              </a:schemeClr>
-            </a:gs>
-          </a:gsLst>
-          <a:lin ang="16200000" scaled="0"/>
-        </a:gradFill>
-      </a:fillStyleLst>
-      <a:lnStyleLst>
-        <a:ln w="9525" cap="flat" cmpd="sng" algn="ctr">
-          <a:solidFill>
-            <a:schemeClr val="phClr">
-              <a:shade val="95000"/>
-              <a:satMod val="105000"/>
-            </a:schemeClr>
-          </a:solidFill>
-          <a:prstDash val="solid"/>
-        </a:ln>
-        <a:ln w="25400" cap="flat" cmpd="sng" algn="ctr">
-          <a:solidFill>
-            <a:schemeClr val="phClr"/>
-          </a:solidFill>
-          <a:prstDash val="solid"/>
-        </a:ln>
-        <a:ln w="38100" cap="flat" cmpd="sng" algn="ctr">
-          <a:solidFill>
-            <a:schemeClr val="phClr"/>
-          </a:solidFill>
-          <a:prstDash val="solid"/>
-        </a:ln>
-      </a:lnStyleLst>
-      <a:effectStyleLst>
-        <a:effectStyle>
-          <a:effectLst>
-            <a:outerShdw blurRad="40000" dist="20000" dir="5400000" rotWithShape="0">
-              <a:srgbClr val="000000">
-                <a:alpha val="38000"/>
-              </a:srgbClr>
-            </a:outerShdw>
-          </a:effectLst>
-        </a:effectStyle>
-        <a:effectStyle>
-          <a:effectLst>
-            <a:outerShdw blurRad="40000" dist="23000" dir="5400000" rotWithShape="0">
-              <a:srgbClr val="000000">
-                <a:alpha val="35000"/>
-              </a:srgbClr>
-            </a:outerShdw>
-          </a:effectLst>
-        </a:effectStyle>
-        <a:effectStyle>
-          <a:effectLst>
-            <a:outerShdw blurRad="40000" dist="23000" dir="5400000" rotWithShape="0">
-              <a:srgbClr val="000000">
-                <a:alpha val="35000"/>
-              </a:srgbClr>
-            </a:outerShdw>
-          </a:effectLst>
-          <a:scene3d>
-            <a:camera prst="orthographicFront">
-              <a:rot lat="0" lon="0" rev="0"/>
-            </a:camera>
-            <a:lightRig rig="threePt" dir="t">
-              <a:rot lat="0" lon="0" rev="1200000"/>
-            </a:lightRig>
-          </a:scene3d>
-          <a:sp3d>
-            <a:bevelT w="63500" h="25400"/>
-          </a:sp3d>
-        </a:effectStyle>
-      </a:effectStyleLst>
-      <a:bgFillStyleLst>
-        <a:solidFill>
-          <a:schemeClr val="phClr"/>
-        </a:solidFill>
-        <a:gradFill rotWithShape="1">
-          <a:gsLst>
-            <a:gs pos="0">
-              <a:schemeClr val="phClr">
-                <a:tint val="40000"/>
-                <a:satMod val="350000"/>
-              </a:schemeClr>
-            </a:gs>
-            <a:gs pos="40000">
-              <a:schemeClr val="phClr">
-                <a:tint val="45000"/>
-                <a:shade val="99000"/>
-                <a:satMod val="350000"/>
-              </a:schemeClr>
-            </a:gs>
-            <a:gs pos="100000">
-              <a:schemeClr val="phClr">
-                <a:shade val="20000"/>
-                <a:satMod val="255000"/>
-              </a:schemeClr>
-            </a:gs>
-          </a:gsLst>
-          <a:path path="circle">
-            <a:fillToRect l="50000" t="-80000" r="50000" b="180000"/>
-          </a:path>
-        </a:gradFill>
-        <a:gradFill rotWithShape="1">
-          <a:gsLst>
-            <a:gs pos="0">
-              <a:schemeClr val="phClr">
-                <a:tint val="80000"/>
-                <a:satMod val="300000"/>
-              </a:schemeClr>
-            </a:gs>
-            <a:gs pos="100000">
-              <a:schemeClr val="phClr">
-                <a:shade val="30000"/>
-                <a:satMod val="200000"/>
-              </a:schemeClr>
-            </a:gs>
-          </a:gsLst>
-          <a:path path="circle">
-            <a:fillToRect l="50000" t="50000" r="50000" b="50000"/>
-          </a:path>
-        </a:gradFill>
-      </a:bgFillStyleLst>
-    </a:fmtScheme>
-  </a:themeElements>
-</a:theme>
 </file>